--- a/Project1-ExploreVis/Wanda Wang/PalmingOfftheEarth.pptx
+++ b/Project1-ExploreVis/Wanda Wang/PalmingOfftheEarth.pptx
@@ -14,10 +14,10 @@
     <p:sldId id="261" r:id="rId5"/>
     <p:sldId id="264" r:id="rId6"/>
     <p:sldId id="263" r:id="rId7"/>
-    <p:sldId id="269" r:id="rId8"/>
-    <p:sldId id="268" r:id="rId9"/>
-    <p:sldId id="267" r:id="rId10"/>
-    <p:sldId id="272" r:id="rId11"/>
+    <p:sldId id="267" r:id="rId8"/>
+    <p:sldId id="272" r:id="rId9"/>
+    <p:sldId id="269" r:id="rId10"/>
+    <p:sldId id="268" r:id="rId11"/>
     <p:sldId id="259" r:id="rId12"/>
     <p:sldId id="258" r:id="rId13"/>
     <p:sldId id="271" r:id="rId14"/>
@@ -205,7 +205,7 @@
           <a:p>
             <a:fld id="{19BFA0FC-BC16-A24F-A04E-E9665247CDB2}" type="datetimeFigureOut">
               <a:rPr lang="en-US" smtClean="0"/>
-              <a:t>4/25/16</a:t>
+              <a:t>4/26/16</a:t>
             </a:fld>
             <a:endParaRPr lang="en-US"/>
           </a:p>
@@ -850,7 +850,7 @@
           <a:p>
             <a:fld id="{216C5678-EE20-4FA5-88E2-6E0BD67A2E26}" type="datetime1">
               <a:rPr lang="en-US" smtClean="0"/>
-              <a:t>4/25/16</a:t>
+              <a:t>4/26/16</a:t>
             </a:fld>
             <a:endParaRPr lang="en-US" dirty="0"/>
           </a:p>
@@ -1020,7 +1020,7 @@
           <a:p>
             <a:fld id="{EA051B39-B140-43FE-96DB-472A2B59CE7C}" type="datetime1">
               <a:rPr lang="en-US" smtClean="0"/>
-              <a:t>4/25/16</a:t>
+              <a:t>4/26/16</a:t>
             </a:fld>
             <a:endParaRPr lang="en-US"/>
           </a:p>
@@ -1200,7 +1200,7 @@
           <a:p>
             <a:fld id="{DA600BB2-27C5-458B-ABCE-839C88CF47CE}" type="datetime1">
               <a:rPr lang="en-US" smtClean="0"/>
-              <a:t>4/25/16</a:t>
+              <a:t>4/26/16</a:t>
             </a:fld>
             <a:endParaRPr lang="en-US"/>
           </a:p>
@@ -1388,7 +1388,7 @@
           <a:p>
             <a:fld id="{B11D738E-8962-435F-8C43-147B8DD7E819}" type="datetime1">
               <a:rPr lang="en-US" smtClean="0"/>
-              <a:t>4/25/16</a:t>
+              <a:t>4/26/16</a:t>
             </a:fld>
             <a:endParaRPr lang="en-US"/>
           </a:p>
@@ -1655,7 +1655,7 @@
           <a:p>
             <a:fld id="{09CAEA93-55E7-4DA9-90C2-089A26EEFEC4}" type="datetime1">
               <a:rPr lang="en-US" smtClean="0"/>
-              <a:t>4/25/16</a:t>
+              <a:t>4/26/16</a:t>
             </a:fld>
             <a:endParaRPr lang="en-US"/>
           </a:p>
@@ -2008,7 +2008,7 @@
           <a:p>
             <a:fld id="{E34CF3C7-6809-4F39-BD67-A75817BDDE0A}" type="datetime1">
               <a:rPr lang="en-US" smtClean="0"/>
-              <a:t>4/25/16</a:t>
+              <a:t>4/26/16</a:t>
             </a:fld>
             <a:endParaRPr lang="en-US"/>
           </a:p>
@@ -2321,7 +2321,7 @@
           <a:p>
             <a:fld id="{F7EAEB24-CE78-465C-A726-91D0868FA48F}" type="datetime1">
               <a:rPr lang="en-US" smtClean="0"/>
-              <a:t>4/25/16</a:t>
+              <a:t>4/26/16</a:t>
             </a:fld>
             <a:endParaRPr lang="en-US"/>
           </a:p>
@@ -2553,7 +2553,7 @@
           <a:p>
             <a:fld id="{40BAADF0-1749-4E8B-9691-B44A5F8C0895}" type="datetime1">
               <a:rPr lang="en-US" smtClean="0"/>
-              <a:t>4/25/16</a:t>
+              <a:t>4/26/16</a:t>
             </a:fld>
             <a:endParaRPr lang="en-US"/>
           </a:p>
@@ -2648,7 +2648,7 @@
           <a:p>
             <a:fld id="{A8AF628A-A867-4937-BBE5-207DB6F9C51A}" type="datetime1">
               <a:rPr lang="en-US" smtClean="0"/>
-              <a:t>4/25/16</a:t>
+              <a:t>4/26/16</a:t>
             </a:fld>
             <a:endParaRPr lang="en-US"/>
           </a:p>
@@ -2941,7 +2941,7 @@
           <a:p>
             <a:fld id="{118BBB94-68E6-4675-A946-F1C5994EDBD7}" type="datetime1">
               <a:rPr lang="en-US" smtClean="0"/>
-              <a:t>4/25/16</a:t>
+              <a:t>4/26/16</a:t>
             </a:fld>
             <a:endParaRPr lang="en-US"/>
           </a:p>
@@ -3215,7 +3215,7 @@
           <a:p>
             <a:fld id="{DC3B8377-21E3-4835-B75D-4E2847E2750F}" type="datetime1">
               <a:rPr lang="en-US" smtClean="0"/>
-              <a:t>4/25/16</a:t>
+              <a:t>4/26/16</a:t>
             </a:fld>
             <a:endParaRPr lang="en-US"/>
           </a:p>
@@ -3430,7 +3430,7 @@
           <a:p>
             <a:fld id="{B0C4986D-6BE9-4264-908F-02DB36FD8D6C}" type="datetime1">
               <a:rPr lang="en-US" smtClean="0"/>
-              <a:t>4/25/16</a:t>
+              <a:t>4/26/16</a:t>
             </a:fld>
             <a:endParaRPr lang="en-US" dirty="0"/>
           </a:p>
@@ -4121,24 +4121,62 @@
           <a:chExt cx="0" cy="0"/>
         </a:xfrm>
       </p:grpSpPr>
+      <p:sp>
+        <p:nvSpPr>
+          <p:cNvPr id="2" name="Title 1"/>
+          <p:cNvSpPr>
+            <a:spLocks noGrp="1"/>
+          </p:cNvSpPr>
+          <p:nvPr>
+            <p:ph type="title"/>
+          </p:nvPr>
+        </p:nvSpPr>
+        <p:spPr>
+          <a:xfrm>
+            <a:off x="137849" y="-931737"/>
+            <a:ext cx="8229600" cy="1600200"/>
+          </a:xfrm>
+        </p:spPr>
+        <p:txBody>
+          <a:bodyPr/>
+          <a:lstStyle/>
+          <a:p>
+            <a:r>
+              <a:rPr lang="en-US" sz="4400" dirty="0" smtClean="0"/>
+              <a:t>Production in </a:t>
+            </a:r>
+            <a:r>
+              <a:rPr lang="en-US" sz="4400" dirty="0" smtClean="0"/>
+              <a:t>Asia(Area)</a:t>
+            </a:r>
+            <a:endParaRPr lang="en-US" sz="4400" dirty="0"/>
+          </a:p>
+        </p:txBody>
+      </p:sp>
       <p:pic>
         <p:nvPicPr>
-          <p:cNvPr id="4" name="Picture 3"/>
+          <p:cNvPr id="6" name="Picture 5" descr="Screen Shot 2016-04-26 at 2.16.45 AM.jp2"/>
           <p:cNvPicPr>
             <a:picLocks noChangeAspect="1"/>
           </p:cNvPicPr>
           <p:nvPr/>
         </p:nvPicPr>
         <p:blipFill>
-          <a:blip r:embed="rId2"/>
+          <a:blip r:embed="rId2">
+            <a:extLst>
+              <a:ext uri="{28A0092B-C50C-407E-A947-70E740481C1C}">
+                <a14:useLocalDpi xmlns:a14="http://schemas.microsoft.com/office/drawing/2010/main" val="0"/>
+              </a:ext>
+            </a:extLst>
+          </a:blip>
           <a:stretch>
             <a:fillRect/>
           </a:stretch>
         </p:blipFill>
         <p:spPr>
           <a:xfrm>
-            <a:off x="123478" y="866335"/>
-            <a:ext cx="8870253" cy="5237505"/>
+            <a:off x="349527" y="668463"/>
+            <a:ext cx="8435064" cy="6137494"/>
           </a:xfrm>
           <a:prstGeom prst="rect">
             <a:avLst/>
@@ -4162,7 +4200,7 @@
     </p:spTree>
     <p:extLst>
       <p:ext uri="{BB962C8B-B14F-4D97-AF65-F5344CB8AC3E}">
-        <p14:creationId xmlns:p14="http://schemas.microsoft.com/office/powerpoint/2010/main" val="508010222"/>
+        <p14:creationId xmlns:p14="http://schemas.microsoft.com/office/powerpoint/2010/main" val="2493028788"/>
       </p:ext>
     </p:extLst>
   </p:cSld>
@@ -5453,30 +5491,52 @@
           <a:chExt cx="0" cy="0"/>
         </a:xfrm>
       </p:grpSpPr>
+      <p:sp>
+        <p:nvSpPr>
+          <p:cNvPr id="9" name="Title 1"/>
+          <p:cNvSpPr>
+            <a:spLocks noGrp="1"/>
+          </p:cNvSpPr>
+          <p:nvPr>
+            <p:ph type="title"/>
+          </p:nvPr>
+        </p:nvSpPr>
+        <p:spPr>
+          <a:xfrm>
+            <a:off x="137849" y="-941229"/>
+            <a:ext cx="8229600" cy="1600200"/>
+          </a:xfrm>
+        </p:spPr>
+        <p:txBody>
+          <a:bodyPr/>
+          <a:lstStyle/>
+          <a:p>
+            <a:r>
+              <a:rPr lang="en-US" sz="4400" dirty="0" smtClean="0"/>
+              <a:t>Production: Top Five</a:t>
+            </a:r>
+            <a:endParaRPr lang="en-US" sz="4400" dirty="0"/>
+          </a:p>
+        </p:txBody>
+      </p:sp>
       <p:pic>
         <p:nvPicPr>
-          <p:cNvPr id="5" name="Picture 4" descr="Screen Shot 2016-04-26 at 2.24.35 AM.jp2"/>
+          <p:cNvPr id="4" name="Picture 3"/>
           <p:cNvPicPr>
             <a:picLocks noChangeAspect="1"/>
           </p:cNvPicPr>
           <p:nvPr/>
         </p:nvPicPr>
         <p:blipFill>
-          <a:blip r:embed="rId2">
-            <a:extLst>
-              <a:ext uri="{28A0092B-C50C-407E-A947-70E740481C1C}">
-                <a14:useLocalDpi xmlns:a14="http://schemas.microsoft.com/office/drawing/2010/main" val="0"/>
-              </a:ext>
-            </a:extLst>
-          </a:blip>
+          <a:blip r:embed="rId2"/>
           <a:stretch>
             <a:fillRect/>
           </a:stretch>
         </p:blipFill>
         <p:spPr>
           <a:xfrm>
-            <a:off x="482600" y="1"/>
-            <a:ext cx="8175694" cy="6858000"/>
+            <a:off x="137849" y="1129034"/>
+            <a:ext cx="8799306" cy="4331966"/>
           </a:xfrm>
           <a:prstGeom prst="rect">
             <a:avLst/>
@@ -5500,7 +5560,7 @@
     </p:spTree>
     <p:extLst>
       <p:ext uri="{BB962C8B-B14F-4D97-AF65-F5344CB8AC3E}">
-        <p14:creationId xmlns:p14="http://schemas.microsoft.com/office/powerpoint/2010/main" val="536733988"/>
+        <p14:creationId xmlns:p14="http://schemas.microsoft.com/office/powerpoint/2010/main" val="735406529"/>
       </p:ext>
     </p:extLst>
   </p:cSld>
@@ -5534,58 +5594,24 @@
           <a:chExt cx="0" cy="0"/>
         </a:xfrm>
       </p:grpSpPr>
-      <p:sp>
-        <p:nvSpPr>
-          <p:cNvPr id="2" name="Title 1"/>
-          <p:cNvSpPr>
-            <a:spLocks noGrp="1"/>
-          </p:cNvSpPr>
-          <p:nvPr>
-            <p:ph type="title"/>
-          </p:nvPr>
-        </p:nvSpPr>
-        <p:spPr>
-          <a:xfrm>
-            <a:off x="137849" y="-931737"/>
-            <a:ext cx="8229600" cy="1600200"/>
-          </a:xfrm>
-        </p:spPr>
-        <p:txBody>
-          <a:bodyPr/>
-          <a:lstStyle/>
-          <a:p>
-            <a:r>
-              <a:rPr lang="en-US" sz="4400" dirty="0" smtClean="0"/>
-              <a:t>Production in Asia</a:t>
-            </a:r>
-            <a:endParaRPr lang="en-US" sz="4400" dirty="0"/>
-          </a:p>
-        </p:txBody>
-      </p:sp>
       <p:pic>
         <p:nvPicPr>
-          <p:cNvPr id="6" name="Picture 5" descr="Screen Shot 2016-04-26 at 2.16.45 AM.jp2"/>
+          <p:cNvPr id="4" name="Picture 3"/>
           <p:cNvPicPr>
             <a:picLocks noChangeAspect="1"/>
           </p:cNvPicPr>
           <p:nvPr/>
         </p:nvPicPr>
         <p:blipFill>
-          <a:blip r:embed="rId2">
-            <a:extLst>
-              <a:ext uri="{28A0092B-C50C-407E-A947-70E740481C1C}">
-                <a14:useLocalDpi xmlns:a14="http://schemas.microsoft.com/office/drawing/2010/main" val="0"/>
-              </a:ext>
-            </a:extLst>
-          </a:blip>
+          <a:blip r:embed="rId2"/>
           <a:stretch>
             <a:fillRect/>
           </a:stretch>
         </p:blipFill>
         <p:spPr>
           <a:xfrm>
-            <a:off x="349527" y="668463"/>
-            <a:ext cx="8435064" cy="6137494"/>
+            <a:off x="123478" y="866335"/>
+            <a:ext cx="8870253" cy="5237505"/>
           </a:xfrm>
           <a:prstGeom prst="rect">
             <a:avLst/>
@@ -5609,7 +5635,7 @@
     </p:spTree>
     <p:extLst>
       <p:ext uri="{BB962C8B-B14F-4D97-AF65-F5344CB8AC3E}">
-        <p14:creationId xmlns:p14="http://schemas.microsoft.com/office/powerpoint/2010/main" val="2493028788"/>
+        <p14:creationId xmlns:p14="http://schemas.microsoft.com/office/powerpoint/2010/main" val="508010222"/>
       </p:ext>
     </p:extLst>
   </p:cSld>
@@ -5645,13 +5671,11 @@
       </p:grpSpPr>
       <p:pic>
         <p:nvPicPr>
-          <p:cNvPr id="8" name="Content Placeholder 7" descr="Screen Shot 2016-04-26 at 1.41.13 AM.jp2"/>
+          <p:cNvPr id="5" name="Picture 4" descr="Screen Shot 2016-04-26 at 2.24.35 AM.jp2"/>
           <p:cNvPicPr>
-            <a:picLocks noGrp="1" noChangeAspect="1"/>
+            <a:picLocks noChangeAspect="1"/>
           </p:cNvPicPr>
-          <p:nvPr>
-            <p:ph idx="1"/>
-          </p:nvPr>
+          <p:nvPr/>
         </p:nvPicPr>
         <p:blipFill>
           <a:blip r:embed="rId2">
@@ -5661,16 +5685,18 @@
               </a:ext>
             </a:extLst>
           </a:blip>
-          <a:srcRect l="-4241" r="-4241"/>
           <a:stretch>
             <a:fillRect/>
           </a:stretch>
         </p:blipFill>
         <p:spPr>
           <a:xfrm>
-            <a:off x="278966" y="829134"/>
-            <a:ext cx="8675636" cy="5451117"/>
-          </a:xfrm>
+            <a:off x="817756" y="844875"/>
+            <a:ext cx="6996650" cy="5868985"/>
+          </a:xfrm>
+          <a:prstGeom prst="rect">
+            <a:avLst/>
+          </a:prstGeom>
         </p:spPr>
         <p:style>
           <a:lnRef idx="2">
@@ -5689,7 +5715,7 @@
       </p:pic>
       <p:sp>
         <p:nvSpPr>
-          <p:cNvPr id="9" name="Title 1"/>
+          <p:cNvPr id="3" name="Title 1"/>
           <p:cNvSpPr>
             <a:spLocks noGrp="1"/>
           </p:cNvSpPr>
@@ -5699,7 +5725,7 @@
         </p:nvSpPr>
         <p:spPr>
           <a:xfrm>
-            <a:off x="137849" y="-941229"/>
+            <a:off x="137849" y="-931737"/>
             <a:ext cx="8229600" cy="1600200"/>
           </a:xfrm>
         </p:spPr>
@@ -5709,7 +5735,7 @@
           <a:p>
             <a:r>
               <a:rPr lang="en-US" sz="4400" dirty="0" smtClean="0"/>
-              <a:t>Production: Top Five</a:t>
+              <a:t>Global Production(Area)</a:t>
             </a:r>
             <a:endParaRPr lang="en-US" sz="4400" dirty="0"/>
           </a:p>
@@ -5718,7 +5744,7 @@
     </p:spTree>
     <p:extLst>
       <p:ext uri="{BB962C8B-B14F-4D97-AF65-F5344CB8AC3E}">
-        <p14:creationId xmlns:p14="http://schemas.microsoft.com/office/powerpoint/2010/main" val="735406529"/>
+        <p14:creationId xmlns:p14="http://schemas.microsoft.com/office/powerpoint/2010/main" val="536733988"/>
       </p:ext>
     </p:extLst>
   </p:cSld>
